--- a/HammWilliam_GPA1-B.pptx
+++ b/HammWilliam_GPA1-B.pptx
@@ -9,6 +9,7 @@
     <p:sldId id="257" r:id="rId3"/>
     <p:sldId id="258" r:id="rId4"/>
     <p:sldId id="259" r:id="rId5"/>
+    <p:sldId id="260" r:id="rId6"/>
   </p:sldIdLst>
   <p:sldSz cx="12192000" cy="6858000"/>
   <p:notesSz cx="6858000" cy="9144000"/>
@@ -107,6 +108,11 @@
       </a:defRPr>
     </a:lvl9pPr>
   </p:defaultTextStyle>
+  <p:extLst>
+    <p:ext uri="{EFAFB233-063F-42B5-8137-9DF3F51BA10A}">
+      <p15:sldGuideLst xmlns:p15="http://schemas.microsoft.com/office/powerpoint/2012/main"/>
+    </p:ext>
+  </p:extLst>
 </p:presentation>
 </file>
 
@@ -379,7 +385,7 @@
           <a:p>
             <a:fld id="{E55D9845-D668-407E-B4AC-3C2BBCD65D30}" type="datetimeFigureOut">
               <a:rPr lang="en-US" smtClean="0"/>
-              <a:t>9/1/2025</a:t>
+              <a:t>11/5/2025</a:t>
             </a:fld>
             <a:endParaRPr lang="en-US"/>
           </a:p>
@@ -577,7 +583,7 @@
           <a:p>
             <a:fld id="{E55D9845-D668-407E-B4AC-3C2BBCD65D30}" type="datetimeFigureOut">
               <a:rPr lang="en-US" smtClean="0"/>
-              <a:t>9/1/2025</a:t>
+              <a:t>11/5/2025</a:t>
             </a:fld>
             <a:endParaRPr lang="en-US"/>
           </a:p>
@@ -785,7 +791,7 @@
           <a:p>
             <a:fld id="{E55D9845-D668-407E-B4AC-3C2BBCD65D30}" type="datetimeFigureOut">
               <a:rPr lang="en-US" smtClean="0"/>
-              <a:t>9/1/2025</a:t>
+              <a:t>11/5/2025</a:t>
             </a:fld>
             <a:endParaRPr lang="en-US"/>
           </a:p>
@@ -983,7 +989,7 @@
           <a:p>
             <a:fld id="{E55D9845-D668-407E-B4AC-3C2BBCD65D30}" type="datetimeFigureOut">
               <a:rPr lang="en-US" smtClean="0"/>
-              <a:t>9/1/2025</a:t>
+              <a:t>11/5/2025</a:t>
             </a:fld>
             <a:endParaRPr lang="en-US"/>
           </a:p>
@@ -1258,7 +1264,7 @@
           <a:p>
             <a:fld id="{E55D9845-D668-407E-B4AC-3C2BBCD65D30}" type="datetimeFigureOut">
               <a:rPr lang="en-US" smtClean="0"/>
-              <a:t>9/1/2025</a:t>
+              <a:t>11/5/2025</a:t>
             </a:fld>
             <a:endParaRPr lang="en-US"/>
           </a:p>
@@ -1523,7 +1529,7 @@
           <a:p>
             <a:fld id="{E55D9845-D668-407E-B4AC-3C2BBCD65D30}" type="datetimeFigureOut">
               <a:rPr lang="en-US" smtClean="0"/>
-              <a:t>9/1/2025</a:t>
+              <a:t>11/5/2025</a:t>
             </a:fld>
             <a:endParaRPr lang="en-US"/>
           </a:p>
@@ -1935,7 +1941,7 @@
           <a:p>
             <a:fld id="{E55D9845-D668-407E-B4AC-3C2BBCD65D30}" type="datetimeFigureOut">
               <a:rPr lang="en-US" smtClean="0"/>
-              <a:t>9/1/2025</a:t>
+              <a:t>11/5/2025</a:t>
             </a:fld>
             <a:endParaRPr lang="en-US"/>
           </a:p>
@@ -2076,7 +2082,7 @@
           <a:p>
             <a:fld id="{E55D9845-D668-407E-B4AC-3C2BBCD65D30}" type="datetimeFigureOut">
               <a:rPr lang="en-US" smtClean="0"/>
-              <a:t>9/1/2025</a:t>
+              <a:t>11/5/2025</a:t>
             </a:fld>
             <a:endParaRPr lang="en-US"/>
           </a:p>
@@ -2189,7 +2195,7 @@
           <a:p>
             <a:fld id="{E55D9845-D668-407E-B4AC-3C2BBCD65D30}" type="datetimeFigureOut">
               <a:rPr lang="en-US" smtClean="0"/>
-              <a:t>9/1/2025</a:t>
+              <a:t>11/5/2025</a:t>
             </a:fld>
             <a:endParaRPr lang="en-US"/>
           </a:p>
@@ -2500,7 +2506,7 @@
           <a:p>
             <a:fld id="{E55D9845-D668-407E-B4AC-3C2BBCD65D30}" type="datetimeFigureOut">
               <a:rPr lang="en-US" smtClean="0"/>
-              <a:t>9/1/2025</a:t>
+              <a:t>11/5/2025</a:t>
             </a:fld>
             <a:endParaRPr lang="en-US"/>
           </a:p>
@@ -2788,7 +2794,7 @@
           <a:p>
             <a:fld id="{E55D9845-D668-407E-B4AC-3C2BBCD65D30}" type="datetimeFigureOut">
               <a:rPr lang="en-US" smtClean="0"/>
-              <a:t>9/1/2025</a:t>
+              <a:t>11/5/2025</a:t>
             </a:fld>
             <a:endParaRPr lang="en-US"/>
           </a:p>
@@ -3029,7 +3035,7 @@
           <a:p>
             <a:fld id="{E55D9845-D668-407E-B4AC-3C2BBCD65D30}" type="datetimeFigureOut">
               <a:rPr lang="en-US" smtClean="0"/>
-              <a:t>9/1/2025</a:t>
+              <a:t>11/5/2025</a:t>
             </a:fld>
             <a:endParaRPr lang="en-US"/>
           </a:p>
@@ -3710,6 +3716,76 @@
     <p:extLst>
       <p:ext uri="{BB962C8B-B14F-4D97-AF65-F5344CB8AC3E}">
         <p14:creationId xmlns:p14="http://schemas.microsoft.com/office/powerpoint/2010/main" val="2802822201"/>
+      </p:ext>
+    </p:extLst>
+  </p:cSld>
+  <p:clrMapOvr>
+    <a:masterClrMapping/>
+  </p:clrMapOvr>
+</p:sld>
+</file>
+
+<file path=ppt/slides/slide5.xml><?xml version="1.0" encoding="utf-8"?>
+<p:sld xmlns:a="http://schemas.openxmlformats.org/drawingml/2006/main" xmlns:r="http://schemas.openxmlformats.org/officeDocument/2006/relationships" xmlns:p="http://schemas.openxmlformats.org/presentationml/2006/main">
+  <p:cSld>
+    <p:spTree>
+      <p:nvGrpSpPr>
+        <p:cNvPr id="1" name=""/>
+        <p:cNvGrpSpPr/>
+        <p:nvPr/>
+      </p:nvGrpSpPr>
+      <p:grpSpPr>
+        <a:xfrm>
+          <a:off x="0" y="0"/>
+          <a:ext cx="0" cy="0"/>
+          <a:chOff x="0" y="0"/>
+          <a:chExt cx="0" cy="0"/>
+        </a:xfrm>
+      </p:grpSpPr>
+      <p:sp>
+        <p:nvSpPr>
+          <p:cNvPr id="2" name="TextBox 1">
+            <a:extLst>
+              <a:ext uri="{FF2B5EF4-FFF2-40B4-BE49-F238E27FC236}">
+                <a16:creationId xmlns:a16="http://schemas.microsoft.com/office/drawing/2014/main" id="{C66D8C90-39A8-D1A4-4238-E3234218F80B}"/>
+              </a:ext>
+            </a:extLst>
+          </p:cNvPr>
+          <p:cNvSpPr txBox="1"/>
+          <p:nvPr/>
+        </p:nvSpPr>
+        <p:spPr>
+          <a:xfrm>
+            <a:off x="803146" y="2459504"/>
+            <a:ext cx="10585708" cy="1938992"/>
+          </a:xfrm>
+          <a:prstGeom prst="rect">
+            <a:avLst/>
+          </a:prstGeom>
+          <a:noFill/>
+        </p:spPr>
+        <p:txBody>
+          <a:bodyPr wrap="square" rtlCol="0">
+            <a:spAutoFit/>
+          </a:bodyPr>
+          <a:lstStyle/>
+          <a:p>
+            <a:pPr algn="ctr"/>
+            <a:r>
+              <a:rPr lang="en-US" sz="6000" dirty="0">
+                <a:solidFill>
+                  <a:srgbClr val="FF0000"/>
+                </a:solidFill>
+              </a:rPr>
+              <a:t>Added a new slide to modify the PowerPoint.</a:t>
+            </a:r>
+          </a:p>
+        </p:txBody>
+      </p:sp>
+    </p:spTree>
+    <p:extLst>
+      <p:ext uri="{BB962C8B-B14F-4D97-AF65-F5344CB8AC3E}">
+        <p14:creationId xmlns:p14="http://schemas.microsoft.com/office/powerpoint/2010/main" val="2408436489"/>
       </p:ext>
     </p:extLst>
   </p:cSld>
